--- a/Eager/paper/socc15/cerebro_socc_presentation.pptx
+++ b/Eager/paper/socc15/cerebro_socc_presentation.pptx
@@ -303,7 +303,7 @@
           <a:p>
             <a:fld id="{27CC59BE-5CA4-EB42-882C-C91C96C3157C}" type="datetimeFigureOut">
               <a:rPr lang="en-US" smtClean="0"/>
-              <a:t>8/8/15</a:t>
+              <a:t>8/10/15</a:t>
             </a:fld>
             <a:endParaRPr lang="en-US"/>
           </a:p>
@@ -473,7 +473,7 @@
           <a:p>
             <a:fld id="{27CC59BE-5CA4-EB42-882C-C91C96C3157C}" type="datetimeFigureOut">
               <a:rPr lang="en-US" smtClean="0"/>
-              <a:t>8/8/15</a:t>
+              <a:t>8/10/15</a:t>
             </a:fld>
             <a:endParaRPr lang="en-US"/>
           </a:p>
@@ -653,7 +653,7 @@
           <a:p>
             <a:fld id="{27CC59BE-5CA4-EB42-882C-C91C96C3157C}" type="datetimeFigureOut">
               <a:rPr lang="en-US" smtClean="0"/>
-              <a:t>8/8/15</a:t>
+              <a:t>8/10/15</a:t>
             </a:fld>
             <a:endParaRPr lang="en-US"/>
           </a:p>
@@ -823,7 +823,7 @@
           <a:p>
             <a:fld id="{27CC59BE-5CA4-EB42-882C-C91C96C3157C}" type="datetimeFigureOut">
               <a:rPr lang="en-US" smtClean="0"/>
-              <a:t>8/8/15</a:t>
+              <a:t>8/10/15</a:t>
             </a:fld>
             <a:endParaRPr lang="en-US"/>
           </a:p>
@@ -1069,7 +1069,7 @@
           <a:p>
             <a:fld id="{27CC59BE-5CA4-EB42-882C-C91C96C3157C}" type="datetimeFigureOut">
               <a:rPr lang="en-US" smtClean="0"/>
-              <a:t>8/8/15</a:t>
+              <a:t>8/10/15</a:t>
             </a:fld>
             <a:endParaRPr lang="en-US"/>
           </a:p>
@@ -1357,7 +1357,7 @@
           <a:p>
             <a:fld id="{27CC59BE-5CA4-EB42-882C-C91C96C3157C}" type="datetimeFigureOut">
               <a:rPr lang="en-US" smtClean="0"/>
-              <a:t>8/8/15</a:t>
+              <a:t>8/10/15</a:t>
             </a:fld>
             <a:endParaRPr lang="en-US"/>
           </a:p>
@@ -1779,7 +1779,7 @@
           <a:p>
             <a:fld id="{27CC59BE-5CA4-EB42-882C-C91C96C3157C}" type="datetimeFigureOut">
               <a:rPr lang="en-US" smtClean="0"/>
-              <a:t>8/8/15</a:t>
+              <a:t>8/10/15</a:t>
             </a:fld>
             <a:endParaRPr lang="en-US"/>
           </a:p>
@@ -1897,7 +1897,7 @@
           <a:p>
             <a:fld id="{27CC59BE-5CA4-EB42-882C-C91C96C3157C}" type="datetimeFigureOut">
               <a:rPr lang="en-US" smtClean="0"/>
-              <a:t>8/8/15</a:t>
+              <a:t>8/10/15</a:t>
             </a:fld>
             <a:endParaRPr lang="en-US"/>
           </a:p>
@@ -1992,7 +1992,7 @@
           <a:p>
             <a:fld id="{27CC59BE-5CA4-EB42-882C-C91C96C3157C}" type="datetimeFigureOut">
               <a:rPr lang="en-US" smtClean="0"/>
-              <a:t>8/8/15</a:t>
+              <a:t>8/10/15</a:t>
             </a:fld>
             <a:endParaRPr lang="en-US"/>
           </a:p>
@@ -2269,7 +2269,7 @@
           <a:p>
             <a:fld id="{27CC59BE-5CA4-EB42-882C-C91C96C3157C}" type="datetimeFigureOut">
               <a:rPr lang="en-US" smtClean="0"/>
-              <a:t>8/8/15</a:t>
+              <a:t>8/10/15</a:t>
             </a:fld>
             <a:endParaRPr lang="en-US"/>
           </a:p>
@@ -2522,7 +2522,7 @@
           <a:p>
             <a:fld id="{27CC59BE-5CA4-EB42-882C-C91C96C3157C}" type="datetimeFigureOut">
               <a:rPr lang="en-US" smtClean="0"/>
-              <a:t>8/8/15</a:t>
+              <a:t>8/10/15</a:t>
             </a:fld>
             <a:endParaRPr lang="en-US"/>
           </a:p>
@@ -2735,7 +2735,7 @@
           <a:p>
             <a:fld id="{27CC59BE-5CA4-EB42-882C-C91C96C3157C}" type="datetimeFigureOut">
               <a:rPr lang="en-US" smtClean="0"/>
-              <a:t>8/8/15</a:t>
+              <a:t>8/10/15</a:t>
             </a:fld>
             <a:endParaRPr lang="en-US"/>
           </a:p>
@@ -3175,10 +3175,74 @@
               <a:rPr lang="en-US" sz="2400" dirty="0" err="1" smtClean="0"/>
               <a:t>Wolski</a:t>
             </a:r>
+            <a:endParaRPr lang="en-US" sz="2400" dirty="0" smtClean="0"/>
+          </a:p>
+          <a:p>
+            <a:r>
+              <a:rPr lang="en-US" sz="2400" dirty="0" smtClean="0"/>
+              <a:t>Computer Science Dept., UC Santa Barbara</a:t>
+            </a:r>
+          </a:p>
+          <a:p>
             <a:endParaRPr lang="en-US" sz="2400" dirty="0"/>
           </a:p>
-        </p:txBody>
-      </p:sp>
+          <a:p>
+            <a:r>
+              <a:rPr lang="en-US" sz="2400" dirty="0" smtClean="0"/>
+              <a:t>SOCC 2015</a:t>
+            </a:r>
+            <a:endParaRPr lang="en-US" sz="2400" dirty="0"/>
+          </a:p>
+        </p:txBody>
+      </p:sp>
+      <p:pic>
+        <p:nvPicPr>
+          <p:cNvPr id="4" name="Picture 3"/>
+          <p:cNvPicPr>
+            <a:picLocks noChangeAspect="1"/>
+          </p:cNvPicPr>
+          <p:nvPr/>
+        </p:nvPicPr>
+        <p:blipFill>
+          <a:blip r:embed="rId2"/>
+          <a:stretch>
+            <a:fillRect/>
+          </a:stretch>
+        </p:blipFill>
+        <p:spPr>
+          <a:xfrm>
+            <a:off x="-37123" y="6320775"/>
+            <a:ext cx="1007300" cy="537228"/>
+          </a:xfrm>
+          <a:prstGeom prst="rect">
+            <a:avLst/>
+          </a:prstGeom>
+        </p:spPr>
+      </p:pic>
+      <p:pic>
+        <p:nvPicPr>
+          <p:cNvPr id="5" name="Picture 4" descr="RaceLogo.png"/>
+          <p:cNvPicPr>
+            <a:picLocks noChangeAspect="1"/>
+          </p:cNvPicPr>
+          <p:nvPr/>
+        </p:nvPicPr>
+        <p:blipFill>
+          <a:blip r:embed="rId3"/>
+          <a:stretch>
+            <a:fillRect/>
+          </a:stretch>
+        </p:blipFill>
+        <p:spPr>
+          <a:xfrm>
+            <a:off x="7345365" y="6030055"/>
+            <a:ext cx="1798645" cy="827948"/>
+          </a:xfrm>
+          <a:prstGeom prst="rect">
+            <a:avLst/>
+          </a:prstGeom>
+        </p:spPr>
+      </p:pic>
     </p:spTree>
     <p:extLst>
       <p:ext uri="{BB962C8B-B14F-4D97-AF65-F5344CB8AC3E}">
@@ -3298,6 +3362,13 @@
   <p:clrMapOvr>
     <a:masterClrMapping/>
   </p:clrMapOvr>
+  <p:timing>
+    <p:tnLst>
+      <p:par>
+        <p:cTn xmlns:p14="http://schemas.microsoft.com/office/powerpoint/2010/main" id="1" dur="indefinite" restart="never" nodeType="tmRoot"/>
+      </p:par>
+    </p:tnLst>
+  </p:timing>
 </p:sld>
 </file>
 
@@ -3364,7 +3435,12 @@
             <a:fillRect/>
           </a:stretch>
         </p:blipFill>
-        <p:spPr/>
+        <p:spPr>
+          <a:xfrm>
+            <a:off x="-337614" y="1308424"/>
+            <a:ext cx="9773046" cy="5374799"/>
+          </a:xfrm>
+        </p:spPr>
       </p:pic>
     </p:spTree>
     <p:extLst>
@@ -3376,6 +3452,13 @@
   <p:clrMapOvr>
     <a:masterClrMapping/>
   </p:clrMapOvr>
+  <p:timing>
+    <p:tnLst>
+      <p:par>
+        <p:cTn xmlns:p14="http://schemas.microsoft.com/office/powerpoint/2010/main" id="1" dur="indefinite" restart="never" nodeType="tmRoot"/>
+      </p:par>
+    </p:tnLst>
+  </p:timing>
 </p:sld>
 </file>
 
@@ -3442,7 +3525,12 @@
             <a:fillRect/>
           </a:stretch>
         </p:blipFill>
-        <p:spPr/>
+        <p:spPr>
+          <a:xfrm>
+            <a:off x="-406425" y="1283494"/>
+            <a:ext cx="9771727" cy="5374073"/>
+          </a:xfrm>
+        </p:spPr>
       </p:pic>
     </p:spTree>
     <p:extLst>
@@ -3454,6 +3542,13 @@
   <p:clrMapOvr>
     <a:masterClrMapping/>
   </p:clrMapOvr>
+  <p:timing>
+    <p:tnLst>
+      <p:par>
+        <p:cTn xmlns:p14="http://schemas.microsoft.com/office/powerpoint/2010/main" id="1" dur="indefinite" restart="never" nodeType="tmRoot"/>
+      </p:par>
+    </p:tnLst>
+  </p:timing>
 </p:sld>
 </file>
 
@@ -3540,6 +3635,13 @@
   <p:clrMapOvr>
     <a:masterClrMapping/>
   </p:clrMapOvr>
+  <p:timing>
+    <p:tnLst>
+      <p:par>
+        <p:cTn xmlns:p14="http://schemas.microsoft.com/office/powerpoint/2010/main" id="1" dur="indefinite" restart="never" nodeType="tmRoot"/>
+      </p:par>
+    </p:tnLst>
+  </p:timing>
 </p:sld>
 </file>
 
@@ -3652,6 +3754,13 @@
   <p:clrMapOvr>
     <a:masterClrMapping/>
   </p:clrMapOvr>
+  <p:timing>
+    <p:tnLst>
+      <p:par>
+        <p:cTn xmlns:p14="http://schemas.microsoft.com/office/powerpoint/2010/main" id="1" dur="indefinite" restart="never" nodeType="tmRoot"/>
+      </p:par>
+    </p:tnLst>
+  </p:timing>
 </p:sld>
 </file>
 
@@ -3712,8 +3821,13 @@
           <a:p>
             <a:r>
               <a:rPr lang="en-US" dirty="0" smtClean="0"/>
-              <a:t>We need powerful tools to analyze and reason about them.</a:t>
-            </a:r>
+              <a:t>We need powerful tools to analyze and reason about </a:t>
+            </a:r>
+            <a:r>
+              <a:rPr lang="en-US" dirty="0" smtClean="0"/>
+              <a:t>the APIs we use</a:t>
+            </a:r>
+            <a:endParaRPr lang="en-US" dirty="0" smtClean="0"/>
           </a:p>
           <a:p>
             <a:r>
@@ -3726,25 +3840,46 @@
             </a:r>
             <a:r>
               <a:rPr lang="en-US" dirty="0" smtClean="0"/>
-              <a:t> environments.</a:t>
-            </a:r>
-          </a:p>
-          <a:p>
-            <a:r>
-              <a:rPr lang="en-US" dirty="0" smtClean="0"/>
-              <a:t>Using a combination of static analysis, and runtime monitoring of </a:t>
-            </a:r>
-            <a:r>
-              <a:rPr lang="en-US" smtClean="0"/>
-              <a:t>cloud SDK, </a:t>
-            </a:r>
-            <a:r>
-              <a:rPr lang="en-US" dirty="0" smtClean="0"/>
-              <a:t>we predict accurate and tight SLAs for web API </a:t>
-            </a:r>
-            <a:r>
-              <a:rPr lang="en-US" smtClean="0"/>
-              <a:t>response time.</a:t>
+              <a:t> </a:t>
+            </a:r>
+            <a:r>
+              <a:rPr lang="en-US" dirty="0" smtClean="0"/>
+              <a:t>environments</a:t>
+            </a:r>
+            <a:endParaRPr lang="en-US" dirty="0" smtClean="0"/>
+          </a:p>
+          <a:p>
+            <a:r>
+              <a:rPr lang="en-US" dirty="0" smtClean="0"/>
+              <a:t>Using a combination of static analysis, and runtime </a:t>
+            </a:r>
+            <a:r>
+              <a:rPr lang="en-US" dirty="0" smtClean="0"/>
+              <a:t>monitoring, </a:t>
+            </a:r>
+            <a:r>
+              <a:rPr lang="en-US" dirty="0" err="1" smtClean="0"/>
+              <a:t>Cerebro</a:t>
+            </a:r>
+            <a:r>
+              <a:rPr lang="en-US" dirty="0" smtClean="0"/>
+              <a:t> enables </a:t>
+            </a:r>
+            <a:r>
+              <a:rPr lang="en-US" dirty="0" smtClean="0"/>
+              <a:t>providing </a:t>
+            </a:r>
+            <a:r>
+              <a:rPr lang="en-US" dirty="0" smtClean="0"/>
+              <a:t>SLAs </a:t>
+            </a:r>
+            <a:r>
+              <a:rPr lang="en-US" dirty="0" smtClean="0"/>
+              <a:t>for web API response </a:t>
+            </a:r>
+            <a:r>
+              <a:rPr lang="en-US" dirty="0" smtClean="0"/>
+              <a:t>time</a:t>
             </a:r>
             <a:endParaRPr lang="en-US" dirty="0" smtClean="0"/>
           </a:p>
@@ -3760,6 +3895,13 @@
   <p:clrMapOvr>
     <a:masterClrMapping/>
   </p:clrMapOvr>
+  <p:timing>
+    <p:tnLst>
+      <p:par>
+        <p:cTn xmlns:p14="http://schemas.microsoft.com/office/powerpoint/2010/main" id="1" dur="indefinite" restart="never" nodeType="tmRoot"/>
+      </p:par>
+    </p:tnLst>
+  </p:timing>
 </p:sld>
 </file>
 
@@ -3813,6 +3955,13 @@
   <p:clrMapOvr>
     <a:masterClrMapping/>
   </p:clrMapOvr>
+  <p:timing>
+    <p:tnLst>
+      <p:par>
+        <p:cTn xmlns:p14="http://schemas.microsoft.com/office/powerpoint/2010/main" id="1" dur="indefinite" restart="never" nodeType="tmRoot"/>
+      </p:par>
+    </p:tnLst>
+  </p:timing>
 </p:sld>
 </file>
 
@@ -4899,7 +5048,12 @@
             <p:ph idx="1"/>
           </p:nvPr>
         </p:nvSpPr>
-        <p:spPr/>
+        <p:spPr>
+          <a:xfrm>
+            <a:off x="457199" y="1600200"/>
+            <a:ext cx="8686801" cy="4525963"/>
+          </a:xfrm>
+        </p:spPr>
         <p:txBody>
           <a:bodyPr/>
           <a:lstStyle/>
@@ -4933,14 +5087,23 @@
             <a:pPr lvl="1"/>
             <a:r>
               <a:rPr lang="en-US" dirty="0" smtClean="0"/>
-              <a:t>No load testing or instrumentation of applications necessary</a:t>
-            </a:r>
+              <a:t>No load testing or instrumentation of </a:t>
+            </a:r>
+            <a:r>
+              <a:rPr lang="en-US" dirty="0" smtClean="0"/>
+              <a:t>applications</a:t>
+            </a:r>
+            <a:endParaRPr lang="en-US" dirty="0" smtClean="0"/>
           </a:p>
           <a:p>
             <a:pPr lvl="1"/>
             <a:r>
               <a:rPr lang="en-US" dirty="0" smtClean="0"/>
-              <a:t>Static analysis and statistical forecasting</a:t>
+              <a:t>Static analysis and statistical </a:t>
+            </a:r>
+            <a:r>
+              <a:rPr lang="en-US" dirty="0" smtClean="0"/>
+              <a:t>forecasting</a:t>
             </a:r>
             <a:endParaRPr lang="en-US" dirty="0"/>
           </a:p>
@@ -5643,7 +5806,15 @@
             </a:r>
             <a:r>
               <a:rPr lang="en-US" sz="2000" dirty="0" smtClean="0"/>
-              <a:t> applications are highly amenable to static analysis</a:t>
+              <a:t> applications are </a:t>
+            </a:r>
+            <a:r>
+              <a:rPr lang="en-US" sz="2000" dirty="0" smtClean="0"/>
+              <a:t>amenable </a:t>
+            </a:r>
+            <a:r>
+              <a:rPr lang="en-US" sz="2000" dirty="0" smtClean="0"/>
+              <a:t>to static analysis</a:t>
             </a:r>
           </a:p>
           <a:p>
@@ -5653,7 +5824,11 @@
             </a:pPr>
             <a:r>
               <a:rPr lang="en-US" sz="2000" dirty="0" smtClean="0"/>
-              <a:t>Cloud SDK calls made by a </a:t>
+              <a:t>Cloud SDK calls </a:t>
+            </a:r>
+            <a:r>
+              <a:rPr lang="en-US" sz="2000" dirty="0" smtClean="0"/>
+              <a:t>from </a:t>
             </a:r>
             <a:r>
               <a:rPr lang="en-US" sz="2000" dirty="0" err="1" smtClean="0"/>
@@ -5661,7 +5836,23 @@
             </a:r>
             <a:r>
               <a:rPr lang="en-US" sz="2000" dirty="0" smtClean="0"/>
-              <a:t> application can reveal important insights regarding the performance of the application</a:t>
+              <a:t> </a:t>
+            </a:r>
+            <a:r>
+              <a:rPr lang="en-US" sz="2000" dirty="0" smtClean="0"/>
+              <a:t>application </a:t>
+            </a:r>
+            <a:r>
+              <a:rPr lang="en-US" sz="2000" dirty="0" smtClean="0"/>
+              <a:t>reveal </a:t>
+            </a:r>
+            <a:r>
+              <a:rPr lang="en-US" sz="2000" dirty="0" smtClean="0"/>
+              <a:t>important insights regarding </a:t>
+            </a:r>
+            <a:r>
+              <a:rPr lang="en-US" sz="2000" dirty="0" smtClean="0"/>
+              <a:t>application performance</a:t>
             </a:r>
             <a:endParaRPr lang="en-US" sz="2000" dirty="0"/>
           </a:p>
@@ -5677,6 +5868,13 @@
   <p:clrMapOvr>
     <a:masterClrMapping/>
   </p:clrMapOvr>
+  <p:timing>
+    <p:tnLst>
+      <p:par>
+        <p:cTn xmlns:p14="http://schemas.microsoft.com/office/powerpoint/2010/main" id="1" dur="indefinite" restart="never" nodeType="tmRoot"/>
+      </p:par>
+    </p:tnLst>
+  </p:timing>
 </p:sld>
 </file>
 
@@ -5743,7 +5941,12 @@
             <a:fillRect/>
           </a:stretch>
         </p:blipFill>
-        <p:spPr/>
+        <p:spPr>
+          <a:xfrm>
+            <a:off x="-415759" y="1348758"/>
+            <a:ext cx="9559759" cy="5257499"/>
+          </a:xfrm>
+        </p:spPr>
       </p:pic>
     </p:spTree>
     <p:extLst>
@@ -5755,6 +5958,13 @@
   <p:clrMapOvr>
     <a:masterClrMapping/>
   </p:clrMapOvr>
+  <p:timing>
+    <p:tnLst>
+      <p:par>
+        <p:cTn xmlns:p14="http://schemas.microsoft.com/office/powerpoint/2010/main" id="1" dur="indefinite" restart="never" nodeType="tmRoot"/>
+      </p:par>
+    </p:tnLst>
+  </p:timing>
 </p:sld>
 </file>
 
@@ -5970,6 +6180,13 @@
   <p:clrMapOvr>
     <a:masterClrMapping/>
   </p:clrMapOvr>
+  <p:timing>
+    <p:tnLst>
+      <p:par>
+        <p:cTn xmlns:p14="http://schemas.microsoft.com/office/powerpoint/2010/main" id="1" dur="indefinite" restart="never" nodeType="tmRoot"/>
+      </p:par>
+    </p:tnLst>
+  </p:timing>
 </p:sld>
 </file>
 
